--- a/Delivering Your APLs.pptx
+++ b/Delivering Your APLs.pptx
@@ -310,7 +310,7 @@
               <a:rPr lang="en-GB" smtClean="0">
                 <a:latin typeface="Sarabun" panose="00000500000000000000" pitchFamily="2" charset="-34"/>
               </a:rPr>
-              <a:t>06/09/2022</a:t>
+              <a:t>07/09/2022</a:t>
             </a:fld>
             <a:endParaRPr lang="en-GB" dirty="0">
               <a:latin typeface="Sarabun" panose="00000500000000000000" pitchFamily="2" charset="-34"/>
@@ -488,7 +488,7 @@
             <a:fld id="{CDEAEF8A-5BB8-41C8-B8C2-160617C17EF4}" type="datetimeFigureOut">
               <a:rPr lang="en-GB" smtClean="0"/>
               <a:pPr/>
-              <a:t>06/09/2022</a:t>
+              <a:t>07/09/2022</a:t>
             </a:fld>
             <a:endParaRPr lang="en-GB" dirty="0"/>
           </a:p>
@@ -6382,7 +6382,17 @@
               <a:rPr lang="en-US" dirty="0"/>
               <a:t>7 × 5 minutes</a:t>
             </a:r>
-            <a:endParaRPr lang="LID4096" dirty="0"/>
+            <a:br>
+              <a:rPr lang="en-US" dirty="0"/>
+            </a:br>
+            <a:br>
+              <a:rPr lang="en-US" dirty="0"/>
+            </a:br>
+            <a:r>
+              <a:rPr lang="en-US" sz="1800" dirty="0"/>
+              <a:t>https://github.com/mkromberg/deliverapl</a:t>
+            </a:r>
+            <a:endParaRPr lang="LID4096" sz="1800" dirty="0"/>
           </a:p>
         </p:txBody>
       </p:sp>
@@ -10000,8 +10010,8 @@
         </p:nvSpPr>
         <p:spPr>
           <a:xfrm>
-            <a:off x="1665897" y="3111015"/>
-            <a:ext cx="1320614" cy="542200"/>
+            <a:off x="1662683" y="3111015"/>
+            <a:ext cx="1323828" cy="542200"/>
           </a:xfrm>
           <a:prstGeom prst="rect">
             <a:avLst/>
@@ -22395,7 +22405,7 @@
                                         <p:tgtEl>
                                           <p:spTgt spid="4">
                                             <p:txEl>
-                                              <p:charRg st="205" end="205"/>
+                                              <p:charRg st="86" end="86"/>
                                             </p:txEl>
                                           </p:spTgt>
                                         </p:tgtEl>
@@ -22444,7 +22454,7 @@
                                         <p:tgtEl>
                                           <p:spTgt spid="4">
                                             <p:txEl>
-                                              <p:charRg st="205" end="205"/>
+                                              <p:charRg st="86" end="86"/>
                                             </p:txEl>
                                           </p:spTgt>
                                         </p:tgtEl>
